--- a/Seminarski/Digitalna Forenzika Vukasin Popovic 1927.pptx
+++ b/Seminarski/Digitalna Forenzika Vukasin Popovic 1927.pptx
@@ -351,7 +351,7 @@
           <a:p>
             <a:fld id="{5BCAD085-E8A6-8845-BD4E-CB4CCA059FC4}" type="datetimeFigureOut">
               <a:rPr lang="en-US" smtClean="0"/>
-              <a:t>9/10/2025</a:t>
+              <a:t>9/16/2025</a:t>
             </a:fld>
             <a:endParaRPr lang="en-US"/>
           </a:p>
@@ -641,7 +641,7 @@
           <a:p>
             <a:fld id="{5BCAD085-E8A6-8845-BD4E-CB4CCA059FC4}" type="datetimeFigureOut">
               <a:rPr lang="en-US" smtClean="0"/>
-              <a:t>9/10/2025</a:t>
+              <a:t>9/16/2025</a:t>
             </a:fld>
             <a:endParaRPr lang="en-US"/>
           </a:p>
@@ -905,7 +905,7 @@
           <a:p>
             <a:fld id="{5BCAD085-E8A6-8845-BD4E-CB4CCA059FC4}" type="datetimeFigureOut">
               <a:rPr lang="en-US" smtClean="0"/>
-              <a:t>9/10/2025</a:t>
+              <a:t>9/16/2025</a:t>
             </a:fld>
             <a:endParaRPr lang="en-US"/>
           </a:p>
@@ -1465,7 +1465,7 @@
           <a:p>
             <a:fld id="{5BCAD085-E8A6-8845-BD4E-CB4CCA059FC4}" type="datetimeFigureOut">
               <a:rPr lang="en-US" smtClean="0"/>
-              <a:t>9/10/2025</a:t>
+              <a:t>9/16/2025</a:t>
             </a:fld>
             <a:endParaRPr lang="en-US"/>
           </a:p>
@@ -1724,7 +1724,7 @@
           <a:p>
             <a:fld id="{5BCAD085-E8A6-8845-BD4E-CB4CCA059FC4}" type="datetimeFigureOut">
               <a:rPr lang="en-US" smtClean="0"/>
-              <a:t>9/10/2025</a:t>
+              <a:t>9/16/2025</a:t>
             </a:fld>
             <a:endParaRPr lang="en-US"/>
           </a:p>
@@ -2300,7 +2300,7 @@
           <a:p>
             <a:fld id="{5BCAD085-E8A6-8845-BD4E-CB4CCA059FC4}" type="datetimeFigureOut">
               <a:rPr lang="en-US" smtClean="0"/>
-              <a:t>9/10/2025</a:t>
+              <a:t>9/16/2025</a:t>
             </a:fld>
             <a:endParaRPr lang="en-US"/>
           </a:p>
@@ -2632,7 +2632,7 @@
           <a:p>
             <a:fld id="{5BCAD085-E8A6-8845-BD4E-CB4CCA059FC4}" type="datetimeFigureOut">
               <a:rPr lang="en-US" smtClean="0"/>
-              <a:t>9/10/2025</a:t>
+              <a:t>9/16/2025</a:t>
             </a:fld>
             <a:endParaRPr lang="en-US"/>
           </a:p>
@@ -2807,7 +2807,7 @@
           <a:p>
             <a:fld id="{5BCAD085-E8A6-8845-BD4E-CB4CCA059FC4}" type="datetimeFigureOut">
               <a:rPr lang="en-US" smtClean="0"/>
-              <a:t>9/10/2025</a:t>
+              <a:t>9/16/2025</a:t>
             </a:fld>
             <a:endParaRPr lang="en-US"/>
           </a:p>
@@ -2987,7 +2987,7 @@
           <a:p>
             <a:fld id="{5BCAD085-E8A6-8845-BD4E-CB4CCA059FC4}" type="datetimeFigureOut">
               <a:rPr lang="en-US" smtClean="0"/>
-              <a:t>9/10/2025</a:t>
+              <a:t>9/16/2025</a:t>
             </a:fld>
             <a:endParaRPr lang="en-US"/>
           </a:p>
@@ -3157,7 +3157,7 @@
           <a:p>
             <a:fld id="{5BCAD085-E8A6-8845-BD4E-CB4CCA059FC4}" type="datetimeFigureOut">
               <a:rPr lang="en-US" smtClean="0"/>
-              <a:t>9/10/2025</a:t>
+              <a:t>9/16/2025</a:t>
             </a:fld>
             <a:endParaRPr lang="en-US"/>
           </a:p>
@@ -3416,7 +3416,7 @@
           <a:p>
             <a:fld id="{5BCAD085-E8A6-8845-BD4E-CB4CCA059FC4}" type="datetimeFigureOut">
               <a:rPr lang="en-US" smtClean="0"/>
-              <a:t>9/10/2025</a:t>
+              <a:t>9/16/2025</a:t>
             </a:fld>
             <a:endParaRPr lang="en-US"/>
           </a:p>
@@ -3708,7 +3708,7 @@
           <a:p>
             <a:fld id="{5BCAD085-E8A6-8845-BD4E-CB4CCA059FC4}" type="datetimeFigureOut">
               <a:rPr lang="en-US" smtClean="0"/>
-              <a:t>9/10/2025</a:t>
+              <a:t>9/16/2025</a:t>
             </a:fld>
             <a:endParaRPr lang="en-US"/>
           </a:p>
@@ -4138,7 +4138,7 @@
           <a:p>
             <a:fld id="{5BCAD085-E8A6-8845-BD4E-CB4CCA059FC4}" type="datetimeFigureOut">
               <a:rPr lang="en-US" smtClean="0"/>
-              <a:t>9/10/2025</a:t>
+              <a:t>9/16/2025</a:t>
             </a:fld>
             <a:endParaRPr lang="en-US"/>
           </a:p>
@@ -4262,7 +4262,7 @@
           <a:p>
             <a:fld id="{5BCAD085-E8A6-8845-BD4E-CB4CCA059FC4}" type="datetimeFigureOut">
               <a:rPr lang="en-US" smtClean="0"/>
-              <a:t>9/10/2025</a:t>
+              <a:t>9/16/2025</a:t>
             </a:fld>
             <a:endParaRPr lang="en-US"/>
           </a:p>
@@ -4357,7 +4357,7 @@
           <a:p>
             <a:fld id="{5BCAD085-E8A6-8845-BD4E-CB4CCA059FC4}" type="datetimeFigureOut">
               <a:rPr lang="en-US" smtClean="0"/>
-              <a:t>9/10/2025</a:t>
+              <a:t>9/16/2025</a:t>
             </a:fld>
             <a:endParaRPr lang="en-US"/>
           </a:p>
@@ -4640,7 +4640,7 @@
           <a:p>
             <a:fld id="{5BCAD085-E8A6-8845-BD4E-CB4CCA059FC4}" type="datetimeFigureOut">
               <a:rPr lang="en-US" smtClean="0"/>
-              <a:t>9/10/2025</a:t>
+              <a:t>9/16/2025</a:t>
             </a:fld>
             <a:endParaRPr lang="en-US"/>
           </a:p>
@@ -4930,7 +4930,7 @@
           <a:p>
             <a:fld id="{5BCAD085-E8A6-8845-BD4E-CB4CCA059FC4}" type="datetimeFigureOut">
               <a:rPr lang="en-US" smtClean="0"/>
-              <a:t>9/10/2025</a:t>
+              <a:t>9/16/2025</a:t>
             </a:fld>
             <a:endParaRPr lang="en-US"/>
           </a:p>
@@ -5161,7 +5161,7 @@
           <a:p>
             <a:fld id="{5BCAD085-E8A6-8845-BD4E-CB4CCA059FC4}" type="datetimeFigureOut">
               <a:rPr lang="en-US" smtClean="0"/>
-              <a:t>9/10/2025</a:t>
+              <a:t>9/16/2025</a:t>
             </a:fld>
             <a:endParaRPr lang="en-US"/>
           </a:p>
@@ -7116,10 +7116,10 @@
       </p:sp>
       <p:pic>
         <p:nvPicPr>
-          <p:cNvPr id="5" name="Content Placeholder 4">
+          <p:cNvPr id="9" name="Content Placeholder 8">
             <a:extLst>
               <a:ext uri="{FF2B5EF4-FFF2-40B4-BE49-F238E27FC236}">
-                <a16:creationId xmlns:a16="http://schemas.microsoft.com/office/drawing/2014/main" id="{25D886EE-D266-41A0-B937-D2489197A8E4}"/>
+                <a16:creationId xmlns:a16="http://schemas.microsoft.com/office/drawing/2014/main" id="{CD70654E-75B8-4BB5-B2A6-EF5E88C5A2F0}"/>
               </a:ext>
             </a:extLst>
           </p:cNvPr>
@@ -7138,8 +7138,8 @@
         </p:blipFill>
         <p:spPr>
           <a:xfrm>
-            <a:off x="1062037" y="1605541"/>
-            <a:ext cx="7019925" cy="4934622"/>
+            <a:off x="1002506" y="1587309"/>
+            <a:ext cx="7138987" cy="5002769"/>
           </a:xfrm>
         </p:spPr>
       </p:pic>
